--- a/docs/apresentacao/apresentacao - TEMPLATE.pptx
+++ b/docs/apresentacao/apresentacao - TEMPLATE.pptx
@@ -5,7 +5,7 @@
     <p:sldMasterId id="2147483660" r:id="rId1"/>
   </p:sldMasterIdLst>
   <p:notesMasterIdLst>
-    <p:notesMasterId r:id="rId10"/>
+    <p:notesMasterId r:id="rId9"/>
   </p:notesMasterIdLst>
   <p:sldIdLst>
     <p:sldId id="256" r:id="rId2"/>
@@ -13,9 +13,8 @@
     <p:sldId id="281" r:id="rId4"/>
     <p:sldId id="282" r:id="rId5"/>
     <p:sldId id="283" r:id="rId6"/>
-    <p:sldId id="285" r:id="rId7"/>
-    <p:sldId id="284" r:id="rId8"/>
-    <p:sldId id="286" r:id="rId9"/>
+    <p:sldId id="284" r:id="rId7"/>
+    <p:sldId id="286" r:id="rId8"/>
   </p:sldIdLst>
   <p:sldSz cx="12192000" cy="6858000"/>
   <p:notesSz cx="6858000" cy="9144000"/>
@@ -114,6 +113,11 @@
       </a:defRPr>
     </a:lvl9pPr>
   </p:defaultTextStyle>
+  <p:extLst>
+    <p:ext uri="{EFAFB233-063F-42B5-8137-9DF3F51BA10A}">
+      <p15:sldGuideLst xmlns:p15="http://schemas.microsoft.com/office/powerpoint/2012/main"/>
+    </p:ext>
+  </p:extLst>
 </p:presentation>
 </file>
 
@@ -199,7 +203,7 @@
           <a:p>
             <a:fld id="{2BDE29EE-9B87-419F-AF79-1B2A070670AC}" type="datetimeFigureOut">
               <a:rPr lang="pt-BR" smtClean="0"/>
-              <a:t>05/04/2022</a:t>
+              <a:t>16/04/2023</a:t>
             </a:fld>
             <a:endParaRPr lang="pt-BR"/>
           </a:p>
@@ -9259,7 +9263,7 @@
           <a:p>
             <a:fld id="{DC3F9AA5-1F73-45E6-BD6D-7E2F5AFE1A15}" type="datetimeFigureOut">
               <a:rPr lang="pt-BR" smtClean="0"/>
-              <a:t>05/04/2022</a:t>
+              <a:t>16/04/2023</a:t>
             </a:fld>
             <a:endParaRPr lang="pt-BR"/>
           </a:p>
@@ -9466,7 +9470,7 @@
           <a:p>
             <a:fld id="{DC3F9AA5-1F73-45E6-BD6D-7E2F5AFE1A15}" type="datetimeFigureOut">
               <a:rPr lang="pt-BR" smtClean="0"/>
-              <a:t>05/04/2022</a:t>
+              <a:t>16/04/2023</a:t>
             </a:fld>
             <a:endParaRPr lang="pt-BR"/>
           </a:p>
@@ -9646,7 +9650,7 @@
           <a:p>
             <a:fld id="{DC3F9AA5-1F73-45E6-BD6D-7E2F5AFE1A15}" type="datetimeFigureOut">
               <a:rPr lang="pt-BR" smtClean="0"/>
-              <a:t>05/04/2022</a:t>
+              <a:t>16/04/2023</a:t>
             </a:fld>
             <a:endParaRPr lang="pt-BR"/>
           </a:p>
@@ -9851,7 +9855,7 @@
           <a:p>
             <a:fld id="{DC3F9AA5-1F73-45E6-BD6D-7E2F5AFE1A15}" type="datetimeFigureOut">
               <a:rPr lang="pt-BR" smtClean="0"/>
-              <a:t>05/04/2022</a:t>
+              <a:t>16/04/2023</a:t>
             </a:fld>
             <a:endParaRPr lang="pt-BR"/>
           </a:p>
@@ -18749,7 +18753,7 @@
           <a:p>
             <a:fld id="{DC3F9AA5-1F73-45E6-BD6D-7E2F5AFE1A15}" type="datetimeFigureOut">
               <a:rPr lang="pt-BR" smtClean="0"/>
-              <a:t>05/04/2022</a:t>
+              <a:t>16/04/2023</a:t>
             </a:fld>
             <a:endParaRPr lang="pt-BR"/>
           </a:p>
@@ -19023,7 +19027,7 @@
           <a:p>
             <a:fld id="{DC3F9AA5-1F73-45E6-BD6D-7E2F5AFE1A15}" type="datetimeFigureOut">
               <a:rPr lang="pt-BR" smtClean="0"/>
-              <a:t>05/04/2022</a:t>
+              <a:t>16/04/2023</a:t>
             </a:fld>
             <a:endParaRPr lang="pt-BR"/>
           </a:p>
@@ -19421,7 +19425,7 @@
           <a:p>
             <a:fld id="{DC3F9AA5-1F73-45E6-BD6D-7E2F5AFE1A15}" type="datetimeFigureOut">
               <a:rPr lang="pt-BR" smtClean="0"/>
-              <a:t>05/04/2022</a:t>
+              <a:t>16/04/2023</a:t>
             </a:fld>
             <a:endParaRPr lang="pt-BR"/>
           </a:p>
@@ -19539,7 +19543,7 @@
           <a:p>
             <a:fld id="{DC3F9AA5-1F73-45E6-BD6D-7E2F5AFE1A15}" type="datetimeFigureOut">
               <a:rPr lang="pt-BR" smtClean="0"/>
-              <a:t>05/04/2022</a:t>
+              <a:t>16/04/2023</a:t>
             </a:fld>
             <a:endParaRPr lang="pt-BR"/>
           </a:p>
@@ -19634,7 +19638,7 @@
           <a:p>
             <a:fld id="{DC3F9AA5-1F73-45E6-BD6D-7E2F5AFE1A15}" type="datetimeFigureOut">
               <a:rPr lang="pt-BR" smtClean="0"/>
-              <a:t>05/04/2022</a:t>
+              <a:t>16/04/2023</a:t>
             </a:fld>
             <a:endParaRPr lang="pt-BR"/>
           </a:p>
@@ -19924,7 +19928,7 @@
           <a:p>
             <a:fld id="{DC3F9AA5-1F73-45E6-BD6D-7E2F5AFE1A15}" type="datetimeFigureOut">
               <a:rPr lang="pt-BR" smtClean="0"/>
-              <a:t>05/04/2022</a:t>
+              <a:t>16/04/2023</a:t>
             </a:fld>
             <a:endParaRPr lang="pt-BR"/>
           </a:p>
@@ -20204,7 +20208,7 @@
           <a:p>
             <a:fld id="{DC3F9AA5-1F73-45E6-BD6D-7E2F5AFE1A15}" type="datetimeFigureOut">
               <a:rPr lang="pt-BR" smtClean="0"/>
-              <a:t>05/04/2022</a:t>
+              <a:t>16/04/2023</a:t>
             </a:fld>
             <a:endParaRPr lang="pt-BR"/>
           </a:p>
@@ -20454,7 +20458,7 @@
           <a:p>
             <a:fld id="{DC3F9AA5-1F73-45E6-BD6D-7E2F5AFE1A15}" type="datetimeFigureOut">
               <a:rPr lang="pt-BR" smtClean="0"/>
-              <a:t>05/04/2022</a:t>
+              <a:t>16/04/2023</a:t>
             </a:fld>
             <a:endParaRPr lang="pt-BR"/>
           </a:p>
@@ -20979,7 +20983,7 @@
           <a:p>
             <a:r>
               <a:rPr lang="pt-BR" dirty="0"/>
-              <a:t>Projeto XPTO</a:t>
+              <a:t>Projeto sobre a desvalorização de artistas na música</a:t>
             </a:r>
           </a:p>
         </p:txBody>
@@ -21002,7 +21006,9 @@
         </p:nvSpPr>
         <p:spPr/>
         <p:txBody>
-          <a:bodyPr/>
+          <a:bodyPr>
+            <a:normAutofit fontScale="85000" lnSpcReduction="20000"/>
+          </a:bodyPr>
           <a:lstStyle/>
           <a:p>
             <a:pPr lvl="0"/>
@@ -21013,36 +21019,48 @@
             <a:endParaRPr lang="pt-BR" b="1" dirty="0"/>
           </a:p>
           <a:p>
-            <a:pPr marL="285750" lvl="0" indent="-285750">
+            <a:r>
+              <a:rPr lang="pt-BR" dirty="0"/>
+              <a:t> Henrique Saldanha Mendes Veloso</a:t>
+            </a:r>
+          </a:p>
+          <a:p>
+            <a:r>
+              <a:rPr lang="pt-BR" dirty="0"/>
+              <a:t> Lucas Soares Tavares</a:t>
+            </a:r>
+          </a:p>
+          <a:p>
+            <a:r>
+              <a:rPr lang="pt-BR" dirty="0"/>
+              <a:t> Rafael Fagundes Silva Reis</a:t>
+            </a:r>
+          </a:p>
+          <a:p>
+            <a:r>
+              <a:rPr lang="pt-BR" dirty="0"/>
+              <a:t> Gabriel Lara Martins Lana</a:t>
+            </a:r>
+          </a:p>
+          <a:p>
+            <a:r>
+              <a:rPr lang="pt-BR" dirty="0"/>
+              <a:t> Mario Wagner Resende </a:t>
+            </a:r>
+            <a:r>
+              <a:rPr lang="pt-BR" dirty="0" err="1"/>
+              <a:t>Finelli</a:t>
+            </a:r>
+            <a:r>
+              <a:rPr lang="pt-BR" dirty="0"/>
+              <a:t> Junior</a:t>
+            </a:r>
+          </a:p>
+          <a:p>
+            <a:pPr marL="285750" indent="-285750">
               <a:buFont typeface="Arial" panose="020B0604020202020204" pitchFamily="34" charset="0"/>
               <a:buChar char="•"/>
             </a:pPr>
-            <a:r>
-              <a:rPr lang="pt-BR" dirty="0"/>
-              <a:t>Fulano</a:t>
-            </a:r>
-          </a:p>
-          <a:p>
-            <a:pPr marL="285750" lvl="0" indent="-285750">
-              <a:buFont typeface="Arial" panose="020B0604020202020204" pitchFamily="34" charset="0"/>
-              <a:buChar char="•"/>
-            </a:pPr>
-            <a:r>
-              <a:rPr lang="pt-BR" dirty="0"/>
-              <a:t>Ciclano</a:t>
-            </a:r>
-          </a:p>
-          <a:p>
-            <a:pPr marL="285750" lvl="0" indent="-285750">
-              <a:buFont typeface="Arial" panose="020B0604020202020204" pitchFamily="34" charset="0"/>
-              <a:buChar char="•"/>
-            </a:pPr>
-            <a:r>
-              <a:rPr lang="pt-BR" dirty="0"/>
-              <a:t>Beltrano</a:t>
-            </a:r>
-          </a:p>
-          <a:p>
             <a:endParaRPr lang="pt-BR" dirty="0"/>
           </a:p>
         </p:txBody>
@@ -21126,7 +21144,10 @@
           <a:bodyPr/>
           <a:lstStyle/>
           <a:p>
-            <a:endParaRPr lang="pt-BR"/>
+            <a:r>
+              <a:rPr lang="pt-BR" dirty="0"/>
+              <a:t>A desvalorização dos artistas na música é um problema em que muitos artistas se sentem subestimados e não recebem o devido reconhecimento e remuneração por seu trabalho criativo. Isso pode ocorrer devido a baixos cachês, royalties inadequados, contratos desfavoráveis, falta de reconhecimento artístico, saturação do mercado musical e pressão comercial. Isso pode ter um impacto negativo na saúde mental e emocional dos artistas, levando ao esgotamento e frustração. É importante que a indústria musical reconheça o valor dos artistas e trabalhe para garantir sua justa valorização em termos de remuneração e reconhecimento artístico.</a:t>
+            </a:r>
           </a:p>
         </p:txBody>
       </p:sp>
@@ -21209,7 +21230,34 @@
           <a:bodyPr/>
           <a:lstStyle/>
           <a:p>
-            <a:endParaRPr lang="pt-BR"/>
+            <a:pPr>
+              <a:buFont typeface="Arial" panose="020B0604020202020204" pitchFamily="34" charset="0"/>
+              <a:buChar char="•"/>
+            </a:pPr>
+            <a:r>
+              <a:rPr lang="pt-BR" dirty="0"/>
+              <a:t> Os maiores problemas apresentados durante a entrevista foram a pressão por resultados comerciais, a perda de autenticidade e originalidade na produção musical, e a limitação da diversidade de estilos musicais e vozes menos representadas.</a:t>
+            </a:r>
+          </a:p>
+          <a:p>
+            <a:pPr>
+              <a:buFont typeface="Arial" panose="020B0604020202020204" pitchFamily="34" charset="0"/>
+              <a:buChar char="•"/>
+            </a:pPr>
+            <a:r>
+              <a:rPr lang="pt-BR" dirty="0"/>
+              <a:t> Durante a entrevista tiveram alguns aspectos que nos surpreenderam mais como o fato de alguns artistas estarem desmotivados e perdendo o amor pela musica por causa dessa desvalorização sofrida por eles.</a:t>
+            </a:r>
+          </a:p>
+          <a:p>
+            <a:pPr>
+              <a:buFont typeface="Arial" panose="020B0604020202020204" pitchFamily="34" charset="0"/>
+              <a:buChar char="•"/>
+            </a:pPr>
+            <a:r>
+              <a:rPr lang="pt-BR" dirty="0"/>
+              <a:t> Entre os tópicos que mais urgem de mudanças na opinião dos entrevistados estão a valorização do talento artístico, a remuneração justa dos artistas e práticas éticas de consumo de música.</a:t>
+            </a:r>
           </a:p>
         </p:txBody>
       </p:sp>
@@ -21292,7 +21340,24 @@
           <a:bodyPr/>
           <a:lstStyle/>
           <a:p>
-            <a:endParaRPr lang="pt-BR"/>
+            <a:pPr>
+              <a:buFont typeface="Arial" panose="020B0604020202020204" pitchFamily="34" charset="0"/>
+              <a:buChar char="•"/>
+            </a:pPr>
+            <a:r>
+              <a:rPr lang="pt-BR" dirty="0"/>
+              <a:t> As principais ideias para solucionar o problema da desvalorização dos artistas são: Uma plataforma de compartilhamento de equipamentos musicais; a criação de uma escola de música online; a realização de um festival de música online; a criação de uma plataforma de streaming de música indie; um serviço de promoção musical para músicos independentes e um programa de mentoria musical.</a:t>
+            </a:r>
+          </a:p>
+          <a:p>
+            <a:pPr>
+              <a:buFont typeface="Arial" panose="020B0604020202020204" pitchFamily="34" charset="0"/>
+              <a:buChar char="•"/>
+            </a:pPr>
+            <a:r>
+              <a:rPr lang="pt-BR" dirty="0"/>
+              <a:t> Os nossos objetivos com esse projeto são melhorar a qualidade de trabalho para artistas e proporcionar mais oportunidades para serem vistos e conseguirem viver de sua música.</a:t>
+            </a:r>
           </a:p>
         </p:txBody>
       </p:sp>
@@ -21382,7 +21447,7 @@
             </a:pPr>
             <a:r>
               <a:rPr lang="pt-BR" dirty="0"/>
-              <a:t>Histórias de Usuários</a:t>
+              <a:t>Requisitos Funcionais</a:t>
             </a:r>
           </a:p>
           <a:p>
@@ -21391,8 +21456,68 @@
               <a:buChar char="§"/>
             </a:pPr>
             <a:r>
+              <a:rPr lang="pt-BR" dirty="0"/>
+              <a:t>Permitir que o usuário compartilhe as suas músicas </a:t>
+            </a:r>
+          </a:p>
+          <a:p>
+            <a:pPr marL="266700" indent="-266700">
+              <a:buFont typeface="Wingdings" panose="05000000000000000000" pitchFamily="2" charset="2"/>
+              <a:buChar char="§"/>
+            </a:pPr>
+            <a:r>
+              <a:rPr lang="pt-BR" dirty="0"/>
+              <a:t>Permitir que as musicas sejam monetizadas</a:t>
+            </a:r>
+          </a:p>
+          <a:p>
+            <a:pPr marL="266700" indent="-266700">
+              <a:buFont typeface="Wingdings" panose="05000000000000000000" pitchFamily="2" charset="2"/>
+              <a:buChar char="§"/>
+            </a:pPr>
+            <a:r>
+              <a:rPr lang="pt-BR" dirty="0"/>
+              <a:t>O serviço deve ter uma ampla variedade de música </a:t>
+            </a:r>
+          </a:p>
+          <a:p>
+            <a:pPr marL="266700" indent="-266700">
+              <a:buFont typeface="Wingdings" panose="05000000000000000000" pitchFamily="2" charset="2"/>
+              <a:buChar char="§"/>
+            </a:pPr>
+            <a:r>
+              <a:rPr lang="pt-BR" dirty="0"/>
+              <a:t>O usuário deve poder achar novos músicos </a:t>
+            </a:r>
+          </a:p>
+          <a:p>
+            <a:r>
+              <a:rPr lang="pt-BR" dirty="0"/>
+              <a:t>Requisitos Não Funcionais</a:t>
+            </a:r>
+          </a:p>
+          <a:p>
+            <a:pPr>
+              <a:buFont typeface="Wingdings" panose="05000000000000000000" pitchFamily="2" charset="2"/>
+              <a:buChar char="§"/>
+            </a:pPr>
+            <a:r>
+              <a:rPr lang="pt-BR" dirty="0"/>
+              <a:t> O serviço deve ter um bom tempo de resposta</a:t>
+            </a:r>
+          </a:p>
+          <a:p>
+            <a:pPr>
+              <a:buFont typeface="Wingdings" panose="05000000000000000000" pitchFamily="2" charset="2"/>
+              <a:buChar char="§"/>
+            </a:pPr>
+            <a:r>
+              <a:rPr lang="pt-BR" dirty="0"/>
+              <a:t> O serviço deve suportar IOS e </a:t>
+            </a:r>
+            <a:r>
               <a:rPr lang="pt-BR" dirty="0" err="1"/>
-              <a:t>agdasdads</a:t>
+              <a:t>android</a:t>
             </a:r>
             <a:endParaRPr lang="pt-BR" dirty="0"/>
           </a:p>
@@ -21403,46 +21528,15 @@
             <a:pPr marL="0" indent="0">
               <a:buNone/>
             </a:pPr>
-            <a:r>
-              <a:rPr lang="pt-BR" dirty="0"/>
-              <a:t>Requisitos Funcionais</a:t>
-            </a:r>
+            <a:endParaRPr lang="pt-BR" dirty="0"/>
           </a:p>
           <a:p>
-            <a:pPr marL="266700" indent="-266700">
-              <a:buFont typeface="Wingdings" panose="05000000000000000000" pitchFamily="2" charset="2"/>
-              <a:buChar char="§"/>
-            </a:pPr>
-            <a:r>
-              <a:rPr lang="pt-BR" dirty="0" err="1"/>
-              <a:t>agdasdads</a:t>
-            </a:r>
             <a:endParaRPr lang="pt-BR" dirty="0"/>
           </a:p>
           <a:p>
             <a:pPr marL="0" indent="0">
               <a:buNone/>
             </a:pPr>
-            <a:endParaRPr lang="pt-BR" dirty="0"/>
-          </a:p>
-          <a:p>
-            <a:pPr marL="0" indent="0">
-              <a:buNone/>
-            </a:pPr>
-            <a:r>
-              <a:rPr lang="pt-BR" dirty="0"/>
-              <a:t>Requisitos Não Funcionais</a:t>
-            </a:r>
-          </a:p>
-          <a:p>
-            <a:pPr marL="266700" indent="-266700">
-              <a:buFont typeface="Wingdings" panose="05000000000000000000" pitchFamily="2" charset="2"/>
-              <a:buChar char="§"/>
-            </a:pPr>
-            <a:r>
-              <a:rPr lang="pt-BR" dirty="0" err="1"/>
-              <a:t>agdasdads</a:t>
-            </a:r>
             <a:endParaRPr lang="pt-BR" dirty="0"/>
           </a:p>
         </p:txBody>
@@ -21461,89 +21555,6 @@
 </file>
 
 <file path=ppt/slides/slide6.xml><?xml version="1.0" encoding="utf-8"?>
-<p:sld xmlns:a="http://schemas.openxmlformats.org/drawingml/2006/main" xmlns:r="http://schemas.openxmlformats.org/officeDocument/2006/relationships" xmlns:p="http://schemas.openxmlformats.org/presentationml/2006/main">
-  <p:cSld>
-    <p:spTree>
-      <p:nvGrpSpPr>
-        <p:cNvPr id="1" name=""/>
-        <p:cNvGrpSpPr/>
-        <p:nvPr/>
-      </p:nvGrpSpPr>
-      <p:grpSpPr>
-        <a:xfrm>
-          <a:off x="0" y="0"/>
-          <a:ext cx="0" cy="0"/>
-          <a:chOff x="0" y="0"/>
-          <a:chExt cx="0" cy="0"/>
-        </a:xfrm>
-      </p:grpSpPr>
-      <p:sp>
-        <p:nvSpPr>
-          <p:cNvPr id="2" name="Título 1">
-            <a:extLst>
-              <a:ext uri="{FF2B5EF4-FFF2-40B4-BE49-F238E27FC236}">
-                <a16:creationId xmlns:a16="http://schemas.microsoft.com/office/drawing/2014/main" id="{59F62400-F854-400D-9CE6-F618C75F5C97}"/>
-              </a:ext>
-            </a:extLst>
-          </p:cNvPr>
-          <p:cNvSpPr>
-            <a:spLocks noGrp="1"/>
-          </p:cNvSpPr>
-          <p:nvPr>
-            <p:ph type="title"/>
-          </p:nvPr>
-        </p:nvSpPr>
-        <p:spPr/>
-        <p:txBody>
-          <a:bodyPr/>
-          <a:lstStyle/>
-          <a:p>
-            <a:r>
-              <a:rPr lang="pt-BR" dirty="0"/>
-              <a:t>Projeto da Interface</a:t>
-            </a:r>
-          </a:p>
-        </p:txBody>
-      </p:sp>
-      <p:sp>
-        <p:nvSpPr>
-          <p:cNvPr id="3" name="Espaço Reservado para Conteúdo 2">
-            <a:extLst>
-              <a:ext uri="{FF2B5EF4-FFF2-40B4-BE49-F238E27FC236}">
-                <a16:creationId xmlns:a16="http://schemas.microsoft.com/office/drawing/2014/main" id="{C9DB61AB-EE3E-497E-B50C-C2B67D588B25}"/>
-              </a:ext>
-            </a:extLst>
-          </p:cNvPr>
-          <p:cNvSpPr>
-            <a:spLocks noGrp="1"/>
-          </p:cNvSpPr>
-          <p:nvPr>
-            <p:ph idx="1"/>
-          </p:nvPr>
-        </p:nvSpPr>
-        <p:spPr/>
-        <p:txBody>
-          <a:bodyPr/>
-          <a:lstStyle/>
-          <a:p>
-            <a:endParaRPr lang="pt-BR"/>
-          </a:p>
-        </p:txBody>
-      </p:sp>
-    </p:spTree>
-    <p:extLst>
-      <p:ext uri="{BB962C8B-B14F-4D97-AF65-F5344CB8AC3E}">
-        <p14:creationId xmlns:p14="http://schemas.microsoft.com/office/powerpoint/2010/main" val="3849347365"/>
-      </p:ext>
-    </p:extLst>
-  </p:cSld>
-  <p:clrMapOvr>
-    <a:masterClrMapping/>
-  </p:clrMapOvr>
-</p:sld>
-</file>
-
-<file path=ppt/slides/slide7.xml><?xml version="1.0" encoding="utf-8"?>
 <p:sld xmlns:a="http://schemas.openxmlformats.org/drawingml/2006/main" xmlns:r="http://schemas.openxmlformats.org/officeDocument/2006/relationships" xmlns:p="http://schemas.openxmlformats.org/presentationml/2006/main">
   <p:cSld>
     <p:spTree>
@@ -21606,38 +21617,120 @@
         </p:nvSpPr>
         <p:spPr/>
         <p:txBody>
-          <a:bodyPr/>
+          <a:bodyPr>
+            <a:normAutofit/>
+          </a:bodyPr>
           <a:lstStyle/>
           <a:p>
+            <a:pPr lvl="1"/>
             <a:r>
               <a:rPr lang="pt-BR" dirty="0"/>
-              <a:t>Processo de Trabalho (Design </a:t>
+              <a:t>Divisão de papéis:</a:t>
+            </a:r>
+            <a:br>
+              <a:rPr lang="pt-BR" dirty="0"/>
+            </a:br>
+            <a:r>
+              <a:rPr lang="pt-BR" dirty="0"/>
+              <a:t>- Henrique Saldanha Mendes Veloso: Miro, GitHub</a:t>
+            </a:r>
+          </a:p>
+          <a:p>
+            <a:pPr marL="128016" lvl="1" indent="0">
+              <a:buNone/>
+            </a:pPr>
+            <a:r>
+              <a:rPr lang="pt-BR" dirty="0"/>
+              <a:t>  - Lucas Soares Tavares: Miro, GitHub</a:t>
+            </a:r>
+          </a:p>
+          <a:p>
+            <a:pPr marL="128016" lvl="1" indent="0">
+              <a:buNone/>
+            </a:pPr>
+            <a:r>
+              <a:rPr lang="pt-BR" dirty="0"/>
+              <a:t>  - Rafael Fagundes Silva Reis: Miro</a:t>
+            </a:r>
+          </a:p>
+          <a:p>
+            <a:pPr marL="128016" lvl="1" indent="0">
+              <a:buNone/>
+            </a:pPr>
+            <a:r>
+              <a:rPr lang="pt-BR" dirty="0"/>
+              <a:t>  - Gabriel Lara Martins Lana: Miro</a:t>
+            </a:r>
+          </a:p>
+          <a:p>
+            <a:pPr marL="128016" lvl="1" indent="0">
+              <a:buNone/>
+            </a:pPr>
+            <a:r>
+              <a:rPr lang="pt-BR" dirty="0"/>
+              <a:t>  - Mario Wagner Resende </a:t>
             </a:r>
             <a:r>
               <a:rPr lang="pt-BR" dirty="0" err="1"/>
-              <a:t>Thinking</a:t>
+              <a:t>Finelli</a:t>
             </a:r>
             <a:r>
               <a:rPr lang="pt-BR" dirty="0"/>
-              <a:t> e Scrum)</a:t>
+              <a:t> Junior: Miro</a:t>
+            </a:r>
+          </a:p>
+          <a:p>
+            <a:pPr lvl="1"/>
+            <a:endParaRPr lang="pt-BR" dirty="0"/>
+          </a:p>
+          <a:p>
+            <a:pPr lvl="1"/>
+            <a:r>
+              <a:rPr lang="pt-BR" dirty="0"/>
+              <a:t>Ferramentas Utilizadas:</a:t>
+            </a:r>
+          </a:p>
+          <a:p>
+            <a:pPr marL="0" indent="0">
+              <a:buNone/>
+            </a:pPr>
+            <a:r>
+              <a:rPr lang="pt-BR" dirty="0"/>
+              <a:t>   </a:t>
+            </a:r>
+            <a:r>
+              <a:rPr lang="pt-BR" sz="1800" dirty="0"/>
+              <a:t>-</a:t>
+            </a:r>
+            <a:r>
+              <a:rPr lang="pt-BR" dirty="0"/>
+              <a:t> </a:t>
+            </a:r>
+            <a:r>
+              <a:rPr lang="pt-BR" sz="1800" dirty="0"/>
+              <a:t>Processo de design </a:t>
+            </a:r>
+            <a:r>
+              <a:rPr lang="pt-BR" sz="1800" dirty="0" err="1"/>
+              <a:t>thinking</a:t>
+            </a:r>
+            <a:r>
+              <a:rPr lang="pt-BR" sz="1800" dirty="0"/>
+              <a:t>: Miro</a:t>
             </a:r>
           </a:p>
           <a:p>
             <a:r>
-              <a:rPr lang="pt-BR" dirty="0"/>
-              <a:t>Divisão de Papéis</a:t>
+              <a:rPr lang="pt-BR" sz="1800" dirty="0"/>
+              <a:t>  -  Repositório de Código: </a:t>
             </a:r>
-          </a:p>
-          <a:p>
             <a:r>
-              <a:rPr lang="pt-BR" dirty="0"/>
-              <a:t>Ferramentas</a:t>
+              <a:rPr lang="pt-BR" sz="1800" dirty="0" err="1"/>
+              <a:t>Git</a:t>
             </a:r>
-          </a:p>
-          <a:p>
             <a:r>
-              <a:rPr lang="pt-BR" dirty="0"/>
-              <a:t>Controle de Versão</a:t>
+              <a:rPr lang="pt-BR" sz="1800" dirty="0"/>
+              <a:t> Hub</a:t>
             </a:r>
           </a:p>
           <a:p>
@@ -21658,7 +21751,7 @@
 </p:sld>
 </file>
 
-<file path=ppt/slides/slide8.xml><?xml version="1.0" encoding="utf-8"?>
+<file path=ppt/slides/slide7.xml><?xml version="1.0" encoding="utf-8"?>
 <p:sld xmlns:a="http://schemas.openxmlformats.org/drawingml/2006/main" xmlns:r="http://schemas.openxmlformats.org/officeDocument/2006/relationships" xmlns:p="http://schemas.openxmlformats.org/presentationml/2006/main">
   <p:cSld>
     <p:spTree>
@@ -21698,7 +21791,7 @@
           <a:p>
             <a:r>
               <a:rPr lang="pt-BR" dirty="0"/>
-              <a:t>Projeto XPTO</a:t>
+              <a:t>Projeto sobre a desvalorização de artistas na música</a:t>
             </a:r>
           </a:p>
         </p:txBody>
@@ -21721,7 +21814,9 @@
         </p:nvSpPr>
         <p:spPr/>
         <p:txBody>
-          <a:bodyPr/>
+          <a:bodyPr>
+            <a:normAutofit fontScale="85000" lnSpcReduction="20000"/>
+          </a:bodyPr>
           <a:lstStyle/>
           <a:p>
             <a:pPr lvl="0"/>
@@ -21729,40 +21824,48 @@
               <a:rPr lang="pt-BR" sz="2400" b="1" dirty="0"/>
               <a:t>Equipe</a:t>
             </a:r>
-            <a:endParaRPr lang="pt-BR" b="1" dirty="0"/>
           </a:p>
           <a:p>
-            <a:pPr marL="285750" lvl="0" indent="-285750">
-              <a:buFont typeface="Arial" panose="020B0604020202020204" pitchFamily="34" charset="0"/>
-              <a:buChar char="•"/>
-            </a:pPr>
             <a:r>
               <a:rPr lang="pt-BR" dirty="0"/>
-              <a:t>Fulano</a:t>
+              <a:t> Henrique Saldanha Mendes Veloso</a:t>
             </a:r>
           </a:p>
           <a:p>
-            <a:pPr marL="285750" lvl="0" indent="-285750">
-              <a:buFont typeface="Arial" panose="020B0604020202020204" pitchFamily="34" charset="0"/>
-              <a:buChar char="•"/>
-            </a:pPr>
             <a:r>
               <a:rPr lang="pt-BR" dirty="0"/>
-              <a:t>Ciclano</a:t>
+              <a:t> Lucas Soares Tavares</a:t>
             </a:r>
           </a:p>
           <a:p>
-            <a:pPr marL="285750" lvl="0" indent="-285750">
-              <a:buFont typeface="Arial" panose="020B0604020202020204" pitchFamily="34" charset="0"/>
-              <a:buChar char="•"/>
-            </a:pPr>
             <a:r>
               <a:rPr lang="pt-BR" dirty="0"/>
-              <a:t>Beltrano</a:t>
+              <a:t> Rafael Fagundes Silva Reis</a:t>
             </a:r>
           </a:p>
           <a:p>
-            <a:endParaRPr lang="pt-BR" dirty="0"/>
+            <a:r>
+              <a:rPr lang="pt-BR" dirty="0"/>
+              <a:t> Gabriel Lara Martins Lana</a:t>
+            </a:r>
+          </a:p>
+          <a:p>
+            <a:r>
+              <a:rPr lang="pt-BR" dirty="0"/>
+              <a:t> Mario Wagner Resende </a:t>
+            </a:r>
+            <a:r>
+              <a:rPr lang="pt-BR" dirty="0" err="1"/>
+              <a:t>Finelli</a:t>
+            </a:r>
+            <a:r>
+              <a:rPr lang="pt-BR" dirty="0"/>
+              <a:t> Junior</a:t>
+            </a:r>
+          </a:p>
+          <a:p>
+            <a:pPr lvl="0"/>
+            <a:endParaRPr lang="pt-BR" b="1" dirty="0"/>
           </a:p>
         </p:txBody>
       </p:sp>
